--- a/test/input/Course/w2/s1/u2/what_are_inline_functions.pptx
+++ b/test/input/Course/w2/s1/u2/what_are_inline_functions.pptx
@@ -251,7 +251,7 @@
           <a:p>
             <a:fld id="{F275BDE7-ED2C-4DD1-B6B4-111E3B8233CA}" type="datetimeFigureOut">
               <a:rPr lang="en-GB" smtClean="0"/>
-              <a:t>20/12/2019</a:t>
+              <a:t>24/12/2019</a:t>
             </a:fld>
             <a:endParaRPr lang="en-GB"/>
           </a:p>
@@ -416,7 +416,7 @@
           <a:p>
             <a:fld id="{3E30B7D6-5D68-48A0-9363-B51F8AA66457}" type="datetimeFigureOut">
               <a:rPr lang="en-GB" smtClean="0"/>
-              <a:t>20/12/2019</a:t>
+              <a:t>24/12/2019</a:t>
             </a:fld>
             <a:endParaRPr lang="en-GB"/>
           </a:p>
@@ -747,7 +747,7 @@
             </a:pPr>
             <a:r>
               <a:rPr lang="en-GB" dirty="0" smtClean="0"/>
-              <a:t>{“</a:t>
+              <a:t>{"</a:t>
             </a:r>
             <a:r>
               <a:rPr lang="en-GB" dirty="0" err="1" smtClean="0"/>
@@ -755,24 +755,33 @@
             </a:r>
             <a:r>
               <a:rPr lang="en-GB" dirty="0" smtClean="0"/>
-              <a:t>”:</a:t>
-            </a:r>
-            <a:r>
-              <a:rPr lang="en-GB" baseline="0" dirty="0" smtClean="0"/>
-              <a:t> “</a:t>
-            </a:r>
-            <a:r>
-              <a:rPr lang="en-GB" dirty="0" smtClean="0"/>
-              <a:t>What are Inline Functions?”, </a:t>
-            </a:r>
-            <a:r>
-              <a:rPr lang="en-GB" baseline="0" dirty="0" smtClean="0"/>
-              <a:t>“voice”:”0”</a:t>
+              <a:t>":</a:t>
+            </a:r>
+            <a:r>
+              <a:rPr lang="en-GB" baseline="0" dirty="0" smtClean="0"/>
+              <a:t> "</a:t>
+            </a:r>
+            <a:r>
+              <a:rPr lang="en-GB" dirty="0" smtClean="0"/>
+              <a:t>What </a:t>
+            </a:r>
+            <a:r>
+              <a:rPr lang="en-GB" dirty="0" smtClean="0"/>
+              <a:t>are Inline Functions</a:t>
+            </a:r>
+            <a:r>
+              <a:rPr lang="en-GB" dirty="0" smtClean="0"/>
+              <a:t>?", </a:t>
+            </a:r>
+            <a:r>
+              <a:rPr lang="en-GB" baseline="0" dirty="0" smtClean="0"/>
+              <a:t>"voice":"0"</a:t>
             </a:r>
             <a:r>
               <a:rPr lang="en-GB" dirty="0" smtClean="0"/>
               <a:t>}</a:t>
             </a:r>
+            <a:endParaRPr lang="en-GB" dirty="0" smtClean="0"/>
           </a:p>
           <a:p>
             <a:endParaRPr lang="en-GB" dirty="0"/>
@@ -878,23 +887,23 @@
             </a:pPr>
             <a:r>
               <a:rPr lang="en-GB" baseline="0" dirty="0" smtClean="0"/>
-              <a:t>Another example would be &lt;sub alias=“X Y"&gt;XY&lt;/</a:t>
-            </a:r>
-            <a:r>
-              <a:rPr lang="en-GB" baseline="0" dirty="0" smtClean="0"/>
-              <a:t>sub</a:t>
-            </a:r>
-            <a:r>
-              <a:rPr lang="en-GB" baseline="0" dirty="0" smtClean="0"/>
-              <a:t>&gt; which define a plane at the origin aligned on the &lt;sub alias=“X Y"&gt;XY&lt;/</a:t>
-            </a:r>
-            <a:r>
-              <a:rPr lang="en-GB" baseline="0" dirty="0" smtClean="0"/>
-              <a:t>sub&gt; </a:t>
-            </a:r>
-            <a:r>
-              <a:rPr lang="en-GB" baseline="0" dirty="0" smtClean="0"/>
-              <a:t> axis. </a:t>
+              <a:t>Another example would be &lt;sub alias</a:t>
+            </a:r>
+            <a:r>
+              <a:rPr lang="en-GB" baseline="0" dirty="0" smtClean="0"/>
+              <a:t>="X Y"&gt;</a:t>
+            </a:r>
+            <a:r>
+              <a:rPr lang="en-GB" baseline="0" dirty="0" smtClean="0"/>
+              <a:t>XY&lt;/sub&gt; which define a plane at the origin aligned on the &lt;sub alias</a:t>
+            </a:r>
+            <a:r>
+              <a:rPr lang="en-GB" baseline="0" dirty="0" smtClean="0"/>
+              <a:t>="X Y"&gt;</a:t>
+            </a:r>
+            <a:r>
+              <a:rPr lang="en-GB" baseline="0" dirty="0" smtClean="0"/>
+              <a:t>XY&lt;/sub&gt;  axis. </a:t>
             </a:r>
             <a:endParaRPr lang="en-US" dirty="0" smtClean="0">
               <a:ea typeface="Cambria Math" panose="02040503050406030204" pitchFamily="18" charset="0"/>
@@ -984,7 +993,7 @@
           <a:p>
             <a:r>
               <a:rPr lang="en-GB" dirty="0" smtClean="0"/>
-              <a:t>{“</a:t>
+              <a:t>{"</a:t>
             </a:r>
             <a:r>
               <a:rPr lang="en-GB" dirty="0" err="1" smtClean="0"/>
@@ -992,23 +1001,27 @@
             </a:r>
             <a:r>
               <a:rPr lang="en-GB" dirty="0" smtClean="0"/>
-              <a:t>”:</a:t>
-            </a:r>
-            <a:r>
-              <a:rPr lang="en-GB" baseline="0" dirty="0" smtClean="0"/>
-              <a:t> </a:t>
-            </a:r>
-            <a:r>
-              <a:rPr lang="en-GB" baseline="0" dirty="0" smtClean="0"/>
-              <a:t>“</a:t>
-            </a:r>
-            <a:r>
-              <a:rPr lang="en-GB" dirty="0" smtClean="0"/>
-              <a:t>Inline - Random</a:t>
-            </a:r>
-            <a:r>
-              <a:rPr lang="en-GB" baseline="0" dirty="0" smtClean="0"/>
-              <a:t>”}</a:t>
+              <a:t>":</a:t>
+            </a:r>
+            <a:r>
+              <a:rPr lang="en-GB" baseline="0" dirty="0" smtClean="0"/>
+              <a:t> "</a:t>
+            </a:r>
+            <a:r>
+              <a:rPr lang="en-GB" dirty="0" smtClean="0"/>
+              <a:t>Inline </a:t>
+            </a:r>
+            <a:r>
+              <a:rPr lang="en-GB" dirty="0" smtClean="0"/>
+              <a:t>- </a:t>
+            </a:r>
+            <a:r>
+              <a:rPr lang="en-GB" dirty="0" smtClean="0"/>
+              <a:t>Random</a:t>
+            </a:r>
+            <a:r>
+              <a:rPr lang="en-GB" baseline="0" dirty="0" smtClean="0"/>
+              <a:t>"}</a:t>
             </a:r>
             <a:endParaRPr lang="en-GB" dirty="0"/>
           </a:p>
@@ -1121,7 +1134,35 @@
             </a:r>
             <a:r>
               <a:rPr lang="en-GB" baseline="0" dirty="0" smtClean="0"/>
-              <a:t> random numbers. &lt;sub alias=“Random Min Max"&gt;Rand(min, max)&lt;/sub&gt; will return a random number in the specific range. For example, if &lt;sub alias=“my number equals random zero two"&gt;</a:t>
+              <a:t> random numbers. &lt;sub alias</a:t>
+            </a:r>
+            <a:r>
+              <a:rPr lang="en-GB" baseline="0" dirty="0" smtClean="0"/>
+              <a:t>="Random </a:t>
+            </a:r>
+            <a:r>
+              <a:rPr lang="en-GB" baseline="0" dirty="0" smtClean="0"/>
+              <a:t>Min </a:t>
+            </a:r>
+            <a:r>
+              <a:rPr lang="en-GB" baseline="0" dirty="0" smtClean="0"/>
+              <a:t>Max"&gt;</a:t>
+            </a:r>
+            <a:r>
+              <a:rPr lang="en-GB" baseline="0" dirty="0" smtClean="0"/>
+              <a:t>Rand(min, max)&lt;/sub&gt; will return a random number in the specific range. For example, if &lt;sub alias</a:t>
+            </a:r>
+            <a:r>
+              <a:rPr lang="en-GB" baseline="0" dirty="0" smtClean="0"/>
+              <a:t>="my </a:t>
+            </a:r>
+            <a:r>
+              <a:rPr lang="en-GB" baseline="0" dirty="0" smtClean="0"/>
+              <a:t>number equals random zero </a:t>
+            </a:r>
+            <a:r>
+              <a:rPr lang="en-GB" baseline="0" dirty="0" smtClean="0"/>
+              <a:t>two"&gt;</a:t>
             </a:r>
             <a:r>
               <a:rPr lang="en-GB" baseline="0" dirty="0" err="1" smtClean="0"/>
@@ -1297,7 +1338,19 @@
             </a:pPr>
             <a:r>
               <a:rPr lang="en-GB" baseline="0" dirty="0" smtClean="0"/>
-              <a:t>&lt;sub alias=“Random Integer Min Max"&gt;</a:t>
+              <a:t>&lt;sub alias</a:t>
+            </a:r>
+            <a:r>
+              <a:rPr lang="en-GB" baseline="0" dirty="0" smtClean="0"/>
+              <a:t>="Random </a:t>
+            </a:r>
+            <a:r>
+              <a:rPr lang="en-GB" baseline="0" dirty="0" smtClean="0"/>
+              <a:t>Integer Min </a:t>
+            </a:r>
+            <a:r>
+              <a:rPr lang="en-GB" baseline="0" dirty="0" smtClean="0"/>
+              <a:t>Max"&gt;</a:t>
             </a:r>
             <a:r>
               <a:rPr lang="en-GB" baseline="0" dirty="0" err="1" smtClean="0"/>
@@ -1305,7 +1358,19 @@
             </a:r>
             <a:r>
               <a:rPr lang="en-GB" baseline="0" dirty="0" smtClean="0"/>
-              <a:t>(min, max)&lt;/sub&gt; will return a random Integer in the specific range. For example, if &lt;sub alias=“my number equals random integer zero two"&gt;</a:t>
+              <a:t>(min, max)&lt;/sub&gt; will return a random Integer in the specific range. For example, if &lt;sub alias</a:t>
+            </a:r>
+            <a:r>
+              <a:rPr lang="en-GB" baseline="0" dirty="0" smtClean="0"/>
+              <a:t>="my </a:t>
+            </a:r>
+            <a:r>
+              <a:rPr lang="en-GB" baseline="0" dirty="0" smtClean="0"/>
+              <a:t>number equals random integer zero </a:t>
+            </a:r>
+            <a:r>
+              <a:rPr lang="en-GB" baseline="0" dirty="0" smtClean="0"/>
+              <a:t>two"&gt;</a:t>
             </a:r>
             <a:r>
               <a:rPr lang="en-GB" baseline="0" dirty="0" err="1" smtClean="0"/>
@@ -1425,7 +1490,23 @@
             </a:pPr>
             <a:r>
               <a:rPr lang="en-GB" baseline="0" dirty="0" smtClean="0"/>
-              <a:t>&lt;sub alias=“Random min max Seed"&gt;Rand(min, max, seed)&lt;/sub&gt; will return a random number in the specific range, but the same random number upon every execution of the code. </a:t>
+              <a:t>&lt;sub alias</a:t>
+            </a:r>
+            <a:r>
+              <a:rPr lang="en-GB" baseline="0" dirty="0" smtClean="0"/>
+              <a:t>="Random </a:t>
+            </a:r>
+            <a:r>
+              <a:rPr lang="en-GB" baseline="0" dirty="0" smtClean="0"/>
+              <a:t>min max </a:t>
+            </a:r>
+            <a:r>
+              <a:rPr lang="en-GB" baseline="0" dirty="0" smtClean="0"/>
+              <a:t>Seed"&gt;</a:t>
+            </a:r>
+            <a:r>
+              <a:rPr lang="en-GB" baseline="0" dirty="0" smtClean="0"/>
+              <a:t>Rand(min, max, seed)&lt;/sub&gt; will return a random number in the specific range, but the same random number upon every execution of the code. </a:t>
             </a:r>
           </a:p>
           <a:p>
@@ -1598,7 +1679,7 @@
           <a:p>
             <a:r>
               <a:rPr lang="en-GB" dirty="0" smtClean="0"/>
-              <a:t>{“</a:t>
+              <a:t>{"</a:t>
             </a:r>
             <a:r>
               <a:rPr lang="en-GB" dirty="0" err="1" smtClean="0"/>
@@ -1606,23 +1687,27 @@
             </a:r>
             <a:r>
               <a:rPr lang="en-GB" dirty="0" smtClean="0"/>
-              <a:t>”:</a:t>
-            </a:r>
-            <a:r>
-              <a:rPr lang="en-GB" baseline="0" dirty="0" smtClean="0"/>
-              <a:t> </a:t>
-            </a:r>
-            <a:r>
-              <a:rPr lang="en-GB" baseline="0" dirty="0" smtClean="0"/>
-              <a:t>“</a:t>
-            </a:r>
-            <a:r>
-              <a:rPr lang="en-GB" dirty="0" smtClean="0"/>
-              <a:t>Inline - Conversion</a:t>
-            </a:r>
-            <a:r>
-              <a:rPr lang="en-GB" baseline="0" dirty="0" smtClean="0"/>
-              <a:t>”}</a:t>
+              <a:t>":</a:t>
+            </a:r>
+            <a:r>
+              <a:rPr lang="en-GB" baseline="0" dirty="0" smtClean="0"/>
+              <a:t> "</a:t>
+            </a:r>
+            <a:r>
+              <a:rPr lang="en-GB" dirty="0" smtClean="0"/>
+              <a:t>Inline </a:t>
+            </a:r>
+            <a:r>
+              <a:rPr lang="en-GB" dirty="0" smtClean="0"/>
+              <a:t>- </a:t>
+            </a:r>
+            <a:r>
+              <a:rPr lang="en-GB" dirty="0" smtClean="0"/>
+              <a:t>Conversion</a:t>
+            </a:r>
+            <a:r>
+              <a:rPr lang="en-GB" baseline="0" dirty="0" smtClean="0"/>
+              <a:t>"}</a:t>
             </a:r>
             <a:endParaRPr lang="en-GB" dirty="0"/>
           </a:p>
@@ -1731,7 +1816,23 @@
             </a:r>
             <a:r>
               <a:rPr lang="en-GB" baseline="0" dirty="0" smtClean="0"/>
-              <a:t> can also be used to convert values. This is because some functions only accept radian values, but it is more intuitive to use &lt;sub alias=“the unit degrees"&gt;degrees&lt;/sub&gt;.</a:t>
+              <a:t> can also be used to convert values. This is because some functions only accept radian values, but it is more intuitive to use &lt;sub alias</a:t>
+            </a:r>
+            <a:r>
+              <a:rPr lang="en-GB" baseline="0" dirty="0" smtClean="0"/>
+              <a:t>="the </a:t>
+            </a:r>
+            <a:r>
+              <a:rPr lang="en-GB" baseline="0" dirty="0" smtClean="0"/>
+              <a:t>unit </a:t>
+            </a:r>
+            <a:r>
+              <a:rPr lang="en-GB" baseline="0" dirty="0" smtClean="0"/>
+              <a:t>degrees"&gt;</a:t>
+            </a:r>
+            <a:r>
+              <a:rPr lang="en-GB" baseline="0" dirty="0" smtClean="0"/>
+              <a:t>degrees&lt;/sub&gt;.</a:t>
             </a:r>
           </a:p>
           <a:p>
@@ -1883,31 +1984,7 @@
             </a:r>
             <a:r>
               <a:rPr lang="en-GB" baseline="0" dirty="0" smtClean="0"/>
-              <a:t> video on </a:t>
-            </a:r>
-            <a:r>
-              <a:rPr lang="en-GB" baseline="0" dirty="0" smtClean="0"/>
-              <a:t>Inline functions. </a:t>
-            </a:r>
-            <a:r>
-              <a:rPr lang="en-GB" baseline="0" dirty="0" smtClean="0"/>
-              <a:t>Next up </a:t>
-            </a:r>
-            <a:r>
-              <a:rPr lang="en-GB" baseline="0" dirty="0" smtClean="0"/>
-              <a:t>are some </a:t>
-            </a:r>
-            <a:r>
-              <a:rPr lang="en-GB" baseline="0" dirty="0" smtClean="0"/>
-              <a:t>practice </a:t>
-            </a:r>
-            <a:r>
-              <a:rPr lang="en-GB" baseline="0" dirty="0" smtClean="0"/>
-              <a:t>questions for your revision. </a:t>
-            </a:r>
-            <a:r>
-              <a:rPr lang="en-GB" baseline="0" dirty="0" smtClean="0"/>
-              <a:t>See you next session.</a:t>
+              <a:t> video on Inline functions. Next up are some practice questions for your revision. See you next session.</a:t>
             </a:r>
             <a:endParaRPr lang="en-GB" dirty="0" smtClean="0"/>
           </a:p>
@@ -1995,7 +2072,7 @@
           <a:p>
             <a:r>
               <a:rPr lang="en-GB" dirty="0" smtClean="0"/>
-              <a:t>{“</a:t>
+              <a:t>{"</a:t>
             </a:r>
             <a:r>
               <a:rPr lang="en-GB" dirty="0" err="1" smtClean="0"/>
@@ -2003,11 +2080,11 @@
             </a:r>
             <a:r>
               <a:rPr lang="en-GB" dirty="0" smtClean="0"/>
-              <a:t>”:</a:t>
-            </a:r>
-            <a:r>
-              <a:rPr lang="en-GB" baseline="0" dirty="0" smtClean="0"/>
-              <a:t> “The End”}</a:t>
+              <a:t>":</a:t>
+            </a:r>
+            <a:r>
+              <a:rPr lang="en-GB" baseline="0" dirty="0" smtClean="0"/>
+              <a:t> "The End"}</a:t>
             </a:r>
             <a:endParaRPr lang="en-GB" dirty="0"/>
           </a:p>
@@ -2107,11 +2184,7 @@
             </a:r>
             <a:r>
               <a:rPr lang="en-GB" baseline="0" dirty="0" smtClean="0"/>
-              <a:t>how it can be applied in Computational Thinking</a:t>
-            </a:r>
-            <a:r>
-              <a:rPr lang="en-GB" baseline="0" dirty="0" smtClean="0"/>
-              <a:t>. Inline functions are additional functions which can be input into the Main functions to calculate or convert values within the line of code. Some common inline functions you will be using often would be Inline Lists, Constants, Random and Conversions.</a:t>
+              <a:t>how it can be applied in Computational Thinking. Inline functions are additional functions which can be input into the Main functions to calculate or convert values within the line of code. Some common inline functions you will be using often would be Inline Lists, Constants, Random and Conversions.</a:t>
             </a:r>
             <a:endParaRPr lang="en-GB" dirty="0"/>
           </a:p>
@@ -2199,7 +2272,7 @@
           <a:p>
             <a:r>
               <a:rPr lang="en-GB" dirty="0" smtClean="0"/>
-              <a:t>{“</a:t>
+              <a:t>{"</a:t>
             </a:r>
             <a:r>
               <a:rPr lang="en-GB" dirty="0" err="1" smtClean="0"/>
@@ -2207,23 +2280,27 @@
             </a:r>
             <a:r>
               <a:rPr lang="en-GB" dirty="0" smtClean="0"/>
-              <a:t>”:</a:t>
-            </a:r>
-            <a:r>
-              <a:rPr lang="en-GB" baseline="0" dirty="0" smtClean="0"/>
-              <a:t> </a:t>
-            </a:r>
-            <a:r>
-              <a:rPr lang="en-GB" baseline="0" dirty="0" smtClean="0"/>
-              <a:t>“</a:t>
-            </a:r>
-            <a:r>
-              <a:rPr lang="en-GB" dirty="0" smtClean="0"/>
-              <a:t>Inline - List</a:t>
-            </a:r>
-            <a:r>
-              <a:rPr lang="en-GB" baseline="0" dirty="0" smtClean="0"/>
-              <a:t>”}</a:t>
+              <a:t>":</a:t>
+            </a:r>
+            <a:r>
+              <a:rPr lang="en-GB" baseline="0" dirty="0" smtClean="0"/>
+              <a:t> "</a:t>
+            </a:r>
+            <a:r>
+              <a:rPr lang="en-GB" dirty="0" smtClean="0"/>
+              <a:t>Inline </a:t>
+            </a:r>
+            <a:r>
+              <a:rPr lang="en-GB" dirty="0" smtClean="0"/>
+              <a:t>- </a:t>
+            </a:r>
+            <a:r>
+              <a:rPr lang="en-GB" dirty="0" smtClean="0"/>
+              <a:t>List</a:t>
+            </a:r>
+            <a:r>
+              <a:rPr lang="en-GB" baseline="0" dirty="0" smtClean="0"/>
+              <a:t>"}</a:t>
             </a:r>
             <a:endParaRPr lang="en-GB" dirty="0"/>
           </a:p>
@@ -2311,7 +2388,11 @@
           <a:p>
             <a:r>
               <a:rPr lang="en-GB" dirty="0" smtClean="0"/>
-              <a:t>&lt;sub alias=“Length</a:t>
+              <a:t>&lt;sub alias</a:t>
+            </a:r>
+            <a:r>
+              <a:rPr lang="en-GB" dirty="0" smtClean="0"/>
+              <a:t>="Length</a:t>
             </a:r>
             <a:r>
               <a:rPr lang="en-GB" baseline="0" dirty="0" smtClean="0"/>
@@ -2319,11 +2400,47 @@
             </a:r>
             <a:r>
               <a:rPr lang="en-GB" dirty="0" smtClean="0"/>
-              <a:t>"&gt;Len(list)&lt;/sub&gt; returns the number of items in the list, also known</a:t>
-            </a:r>
-            <a:r>
-              <a:rPr lang="en-GB" baseline="0" dirty="0" smtClean="0"/>
-              <a:t> as the length of the list. Let’s say that &lt;sub alias=“list one represents a list of integers from 0 to 3"&gt;List1 = [0, 1, 2, 3]&lt;/sub&gt;. &lt;sub alias=“Length of list one equals to length list one"&gt;Length_of_List1 = </a:t>
+              <a:t>"&gt;</a:t>
+            </a:r>
+            <a:r>
+              <a:rPr lang="en-GB" dirty="0" smtClean="0"/>
+              <a:t>Len(list)&lt;/sub&gt; returns the number of items in the list, also known</a:t>
+            </a:r>
+            <a:r>
+              <a:rPr lang="en-GB" baseline="0" dirty="0" smtClean="0"/>
+              <a:t> as the length of the list. Let’s say that &lt;sub alias</a:t>
+            </a:r>
+            <a:r>
+              <a:rPr lang="en-GB" baseline="0" dirty="0" smtClean="0"/>
+              <a:t>="list </a:t>
+            </a:r>
+            <a:r>
+              <a:rPr lang="en-GB" baseline="0" dirty="0" smtClean="0"/>
+              <a:t>one represents a list of integers from 0 to </a:t>
+            </a:r>
+            <a:r>
+              <a:rPr lang="en-GB" baseline="0" dirty="0" smtClean="0"/>
+              <a:t>3"&gt;</a:t>
+            </a:r>
+            <a:r>
+              <a:rPr lang="en-GB" baseline="0" dirty="0" smtClean="0"/>
+              <a:t>List1 = [0, 1, 2, 3]&lt;/sub&gt;. &lt;sub alias</a:t>
+            </a:r>
+            <a:r>
+              <a:rPr lang="en-GB" baseline="0" dirty="0" smtClean="0"/>
+              <a:t>="Length </a:t>
+            </a:r>
+            <a:r>
+              <a:rPr lang="en-GB" baseline="0" dirty="0" smtClean="0"/>
+              <a:t>of list one equals to length list </a:t>
+            </a:r>
+            <a:r>
+              <a:rPr lang="en-GB" baseline="0" dirty="0" smtClean="0"/>
+              <a:t>one"&gt;</a:t>
+            </a:r>
+            <a:r>
+              <a:rPr lang="en-GB" baseline="0" dirty="0" smtClean="0"/>
+              <a:t>Length_of_List1 = </a:t>
             </a:r>
             <a:r>
               <a:rPr lang="en-GB" baseline="0" dirty="0" err="1" smtClean="0"/>
@@ -2331,11 +2448,35 @@
             </a:r>
             <a:r>
               <a:rPr lang="en-GB" baseline="0" dirty="0" smtClean="0"/>
-              <a:t>(List1)&lt;/sub&gt;. When the variable, &lt;sub alias=“Length of list one”&gt;Length_of_List1&lt;/sub&gt; is printed, the value 4 will be printed as the output. This is because there are 4 items in the list. Thus, the length of </a:t>
-            </a:r>
-            <a:r>
-              <a:rPr lang="en-GB" dirty="0" smtClean="0"/>
-              <a:t>&lt;sub alias=“List one"&gt;List1&lt;/sub&gt; is 4.</a:t>
+              <a:t>(List1)&lt;/sub&gt;. When the variable, &lt;sub alias</a:t>
+            </a:r>
+            <a:r>
+              <a:rPr lang="en-GB" baseline="0" dirty="0" smtClean="0"/>
+              <a:t>="Length </a:t>
+            </a:r>
+            <a:r>
+              <a:rPr lang="en-GB" baseline="0" dirty="0" smtClean="0"/>
+              <a:t>of list </a:t>
+            </a:r>
+            <a:r>
+              <a:rPr lang="en-GB" baseline="0" dirty="0" smtClean="0"/>
+              <a:t>one"&gt;</a:t>
+            </a:r>
+            <a:r>
+              <a:rPr lang="en-GB" baseline="0" dirty="0" smtClean="0"/>
+              <a:t>Length_of_List1&lt;/sub&gt; is printed, the value 4 will be printed as the output. This is because there are 4 items in the list. Thus, the length of </a:t>
+            </a:r>
+            <a:r>
+              <a:rPr lang="en-GB" dirty="0" smtClean="0"/>
+              <a:t>&lt;sub alias</a:t>
+            </a:r>
+            <a:r>
+              <a:rPr lang="en-GB" dirty="0" smtClean="0"/>
+              <a:t>="List one"&gt;</a:t>
+            </a:r>
+            <a:r>
+              <a:rPr lang="en-GB" dirty="0" smtClean="0"/>
+              <a:t>List1&lt;/sub&gt; is 4.</a:t>
             </a:r>
             <a:endParaRPr lang="en-GB" dirty="0"/>
           </a:p>
@@ -2423,15 +2564,55 @@
           <a:p>
             <a:r>
               <a:rPr lang="en-GB" dirty="0" smtClean="0"/>
-              <a:t>&lt;sub alias=“Range Start End"&gt;Range(start, end)&lt;/sub&gt; generates a list of integers from start to &lt;sub alias=“end</a:t>
-            </a:r>
-            <a:r>
-              <a:rPr lang="en-GB" baseline="0" dirty="0" smtClean="0"/>
-              <a:t> minus one List</a:t>
-            </a:r>
-            <a:r>
-              <a:rPr lang="en-GB" dirty="0" smtClean="0"/>
-              <a:t>"&gt;n - 1&lt;/sub&gt; given that end &lt;sub alias=“equals"&gt;=&lt;/sub&gt; n.</a:t>
+              <a:t>&lt;sub alias</a:t>
+            </a:r>
+            <a:r>
+              <a:rPr lang="en-GB" dirty="0" smtClean="0"/>
+              <a:t>="Range </a:t>
+            </a:r>
+            <a:r>
+              <a:rPr lang="en-GB" dirty="0" smtClean="0"/>
+              <a:t>Start </a:t>
+            </a:r>
+            <a:r>
+              <a:rPr lang="en-GB" dirty="0" smtClean="0"/>
+              <a:t>End"&gt;</a:t>
+            </a:r>
+            <a:r>
+              <a:rPr lang="en-GB" dirty="0" smtClean="0"/>
+              <a:t>Range(start, end)&lt;/sub&gt; generates a list of integers from start to &lt;sub alias</a:t>
+            </a:r>
+            <a:r>
+              <a:rPr lang="en-GB" dirty="0" smtClean="0"/>
+              <a:t>="end</a:t>
+            </a:r>
+            <a:r>
+              <a:rPr lang="en-GB" baseline="0" dirty="0" smtClean="0"/>
+              <a:t> </a:t>
+            </a:r>
+            <a:r>
+              <a:rPr lang="en-GB" baseline="0" dirty="0" smtClean="0"/>
+              <a:t>minus one </a:t>
+            </a:r>
+            <a:r>
+              <a:rPr lang="en-GB" baseline="0" dirty="0" smtClean="0"/>
+              <a:t>List</a:t>
+            </a:r>
+            <a:r>
+              <a:rPr lang="en-GB" dirty="0" smtClean="0"/>
+              <a:t>"&gt;</a:t>
+            </a:r>
+            <a:r>
+              <a:rPr lang="en-GB" dirty="0" smtClean="0"/>
+              <a:t>n - 1&lt;/sub&gt; given that end &lt;sub alias</a:t>
+            </a:r>
+            <a:r>
+              <a:rPr lang="en-GB" dirty="0" smtClean="0"/>
+              <a:t>="equals"&gt;=&lt;/</a:t>
+            </a:r>
+            <a:r>
+              <a:rPr lang="en-GB" dirty="0" smtClean="0"/>
+              <a:t>sub&gt; n.</a:t>
             </a:r>
             <a:r>
               <a:rPr lang="en-GB" baseline="0" dirty="0" smtClean="0"/>
@@ -2439,15 +2620,31 @@
             </a:r>
             <a:r>
               <a:rPr lang="en-GB" dirty="0" smtClean="0"/>
-              <a:t>&lt;sub alias=“list two equals range</a:t>
-            </a:r>
-            <a:r>
-              <a:rPr lang="en-GB" baseline="0" dirty="0" smtClean="0"/>
-              <a:t> zero five</a:t>
-            </a:r>
-            <a:r>
-              <a:rPr lang="en-GB" dirty="0" smtClean="0"/>
-              <a:t>"&gt;List2 = Range(0, 5)&lt;/sub&gt; will generate</a:t>
+              <a:t>&lt;sub alias</a:t>
+            </a:r>
+            <a:r>
+              <a:rPr lang="en-GB" dirty="0" smtClean="0"/>
+              <a:t>="list </a:t>
+            </a:r>
+            <a:r>
+              <a:rPr lang="en-GB" dirty="0" smtClean="0"/>
+              <a:t>two equals range</a:t>
+            </a:r>
+            <a:r>
+              <a:rPr lang="en-GB" baseline="0" dirty="0" smtClean="0"/>
+              <a:t> zero </a:t>
+            </a:r>
+            <a:r>
+              <a:rPr lang="en-GB" baseline="0" dirty="0" smtClean="0"/>
+              <a:t>five</a:t>
+            </a:r>
+            <a:r>
+              <a:rPr lang="en-GB" dirty="0" smtClean="0"/>
+              <a:t>"&gt;</a:t>
+            </a:r>
+            <a:r>
+              <a:rPr lang="en-GB" dirty="0" smtClean="0"/>
+              <a:t>List2 = Range(0, 5)&lt;/sub&gt; will generate</a:t>
             </a:r>
             <a:r>
               <a:rPr lang="en-GB" baseline="0" dirty="0" smtClean="0"/>
@@ -2455,7 +2652,23 @@
             </a:r>
             <a:r>
               <a:rPr lang="en-GB" dirty="0" smtClean="0"/>
-              <a:t>&lt;sub alias=“zero"&gt;0&lt;/sub&gt; to &lt;sub alias=“"&gt;4&lt;/sub&gt; </a:t>
+              <a:t>&lt;sub alias</a:t>
+            </a:r>
+            <a:r>
+              <a:rPr lang="en-GB" dirty="0" smtClean="0"/>
+              <a:t>="zero"&gt;</a:t>
+            </a:r>
+            <a:r>
+              <a:rPr lang="en-GB" dirty="0" smtClean="0"/>
+              <a:t>0&lt;/sub&gt; to &lt;sub alias</a:t>
+            </a:r>
+            <a:r>
+              <a:rPr lang="en-GB" dirty="0" smtClean="0"/>
+              <a:t>=""&gt;</a:t>
+            </a:r>
+            <a:r>
+              <a:rPr lang="en-GB" dirty="0" smtClean="0"/>
+              <a:t>4&lt;/sub&gt; </a:t>
             </a:r>
           </a:p>
         </p:txBody>
@@ -2542,15 +2755,55 @@
           <a:p>
             <a:r>
               <a:rPr lang="en-GB" dirty="0" smtClean="0"/>
-              <a:t>&lt;sub alias=“Range Start End Step"&gt;Range(start, end, step)&lt;/sub&gt; generates a list of integers from start to &lt;sub alias=“end</a:t>
-            </a:r>
-            <a:r>
-              <a:rPr lang="en-GB" baseline="0" dirty="0" smtClean="0"/>
-              <a:t> minus one List</a:t>
-            </a:r>
-            <a:r>
-              <a:rPr lang="en-GB" dirty="0" smtClean="0"/>
-              <a:t>"&gt;n - 1&lt;/sub&gt; given that end &lt;sub alias=“equals"&gt;=&lt;/sub&gt; n,</a:t>
+              <a:t>&lt;sub alias</a:t>
+            </a:r>
+            <a:r>
+              <a:rPr lang="en-GB" dirty="0" smtClean="0"/>
+              <a:t>="Range </a:t>
+            </a:r>
+            <a:r>
+              <a:rPr lang="en-GB" dirty="0" smtClean="0"/>
+              <a:t>Start End </a:t>
+            </a:r>
+            <a:r>
+              <a:rPr lang="en-GB" dirty="0" smtClean="0"/>
+              <a:t>Step"&gt;</a:t>
+            </a:r>
+            <a:r>
+              <a:rPr lang="en-GB" dirty="0" smtClean="0"/>
+              <a:t>Range(start, end, step)&lt;/sub&gt; generates a list of integers from start to &lt;sub alias</a:t>
+            </a:r>
+            <a:r>
+              <a:rPr lang="en-GB" dirty="0" smtClean="0"/>
+              <a:t>="end</a:t>
+            </a:r>
+            <a:r>
+              <a:rPr lang="en-GB" baseline="0" dirty="0" smtClean="0"/>
+              <a:t> </a:t>
+            </a:r>
+            <a:r>
+              <a:rPr lang="en-GB" baseline="0" dirty="0" smtClean="0"/>
+              <a:t>minus one </a:t>
+            </a:r>
+            <a:r>
+              <a:rPr lang="en-GB" baseline="0" dirty="0" smtClean="0"/>
+              <a:t>List</a:t>
+            </a:r>
+            <a:r>
+              <a:rPr lang="en-GB" dirty="0" smtClean="0"/>
+              <a:t>"&gt;</a:t>
+            </a:r>
+            <a:r>
+              <a:rPr lang="en-GB" dirty="0" smtClean="0"/>
+              <a:t>n - 1&lt;/sub&gt; given that end &lt;sub alias</a:t>
+            </a:r>
+            <a:r>
+              <a:rPr lang="en-GB" dirty="0" smtClean="0"/>
+              <a:t>="equals"&gt;=&lt;/</a:t>
+            </a:r>
+            <a:r>
+              <a:rPr lang="en-GB" dirty="0" smtClean="0"/>
+              <a:t>sub&gt; n,</a:t>
             </a:r>
             <a:r>
               <a:rPr lang="en-GB" baseline="0" dirty="0" smtClean="0"/>
@@ -2558,15 +2811,31 @@
             </a:r>
             <a:r>
               <a:rPr lang="en-GB" dirty="0" smtClean="0"/>
-              <a:t>&lt;sub alias=“list three equals range</a:t>
-            </a:r>
-            <a:r>
-              <a:rPr lang="en-GB" baseline="0" dirty="0" smtClean="0"/>
-              <a:t> zero five two</a:t>
-            </a:r>
-            <a:r>
-              <a:rPr lang="en-GB" dirty="0" smtClean="0"/>
-              <a:t>"&gt;List2 = Range(0, 5, 2)&lt;/sub&gt; will generate</a:t>
+              <a:t>&lt;sub alias</a:t>
+            </a:r>
+            <a:r>
+              <a:rPr lang="en-GB" dirty="0" smtClean="0"/>
+              <a:t>="list </a:t>
+            </a:r>
+            <a:r>
+              <a:rPr lang="en-GB" dirty="0" smtClean="0"/>
+              <a:t>three equals range</a:t>
+            </a:r>
+            <a:r>
+              <a:rPr lang="en-GB" baseline="0" dirty="0" smtClean="0"/>
+              <a:t> zero five </a:t>
+            </a:r>
+            <a:r>
+              <a:rPr lang="en-GB" baseline="0" dirty="0" smtClean="0"/>
+              <a:t>two</a:t>
+            </a:r>
+            <a:r>
+              <a:rPr lang="en-GB" dirty="0" smtClean="0"/>
+              <a:t>"&gt;</a:t>
+            </a:r>
+            <a:r>
+              <a:rPr lang="en-GB" dirty="0" smtClean="0"/>
+              <a:t>List2 = Range(0, 5, 2)&lt;/sub&gt; will generate</a:t>
             </a:r>
             <a:r>
               <a:rPr lang="en-GB" baseline="0" dirty="0" smtClean="0"/>
@@ -2658,7 +2927,11 @@
           <a:p>
             <a:r>
               <a:rPr lang="en-GB" dirty="0" smtClean="0"/>
-              <a:t>&lt;sub alias=“Is List"&gt;</a:t>
+              <a:t>&lt;sub alias</a:t>
+            </a:r>
+            <a:r>
+              <a:rPr lang="en-GB" dirty="0" smtClean="0"/>
+              <a:t>="Is List"&gt;</a:t>
             </a:r>
             <a:r>
               <a:rPr lang="en-GB" dirty="0" err="1" smtClean="0"/>
@@ -2670,11 +2943,35 @@
             </a:r>
             <a:r>
               <a:rPr lang="en-GB" baseline="0" dirty="0" smtClean="0"/>
-              <a:t> returns True if the specified variable is a list and false if it is not. For example, &lt;sub alias=“List Four is an empty list"&gt;List4 = [ ]&lt;/sub&gt;. Thus, when </a:t>
-            </a:r>
-            <a:r>
-              <a:rPr lang="en-GB" dirty="0" smtClean="0"/>
-              <a:t>&lt;sub alias=“Is List </a:t>
+              <a:t> returns True if the specified variable is a list and false if it is not. For example, &lt;sub alias</a:t>
+            </a:r>
+            <a:r>
+              <a:rPr lang="en-GB" baseline="0" dirty="0" smtClean="0"/>
+              <a:t>="List </a:t>
+            </a:r>
+            <a:r>
+              <a:rPr lang="en-GB" baseline="0" dirty="0" smtClean="0"/>
+              <a:t>Four is an empty </a:t>
+            </a:r>
+            <a:r>
+              <a:rPr lang="en-GB" baseline="0" dirty="0" smtClean="0"/>
+              <a:t>list"&gt;</a:t>
+            </a:r>
+            <a:r>
+              <a:rPr lang="en-GB" baseline="0" dirty="0" smtClean="0"/>
+              <a:t>List4 = [ ]&lt;/sub&gt;. Thus, when </a:t>
+            </a:r>
+            <a:r>
+              <a:rPr lang="en-GB" dirty="0" smtClean="0"/>
+              <a:t>&lt;sub alias</a:t>
+            </a:r>
+            <a:r>
+              <a:rPr lang="en-GB" dirty="0" smtClean="0"/>
+              <a:t>="Is </a:t>
+            </a:r>
+            <a:r>
+              <a:rPr lang="en-GB" dirty="0" smtClean="0"/>
+              <a:t>List </a:t>
             </a:r>
             <a:r>
               <a:rPr lang="en-GB" dirty="0" err="1" smtClean="0"/>
@@ -2682,7 +2979,11 @@
             </a:r>
             <a:r>
               <a:rPr lang="en-GB" dirty="0" smtClean="0"/>
-              <a:t> four"&gt;</a:t>
+              <a:t> </a:t>
+            </a:r>
+            <a:r>
+              <a:rPr lang="en-GB" dirty="0" smtClean="0"/>
+              <a:t>four"&gt;</a:t>
             </a:r>
             <a:r>
               <a:rPr lang="en-GB" dirty="0" err="1" smtClean="0"/>
@@ -2782,7 +3083,7 @@
           <a:p>
             <a:r>
               <a:rPr lang="en-GB" dirty="0" smtClean="0"/>
-              <a:t>{“</a:t>
+              <a:t>{"</a:t>
             </a:r>
             <a:r>
               <a:rPr lang="en-GB" dirty="0" err="1" smtClean="0"/>
@@ -2790,23 +3091,27 @@
             </a:r>
             <a:r>
               <a:rPr lang="en-GB" dirty="0" smtClean="0"/>
-              <a:t>”:</a:t>
-            </a:r>
-            <a:r>
-              <a:rPr lang="en-GB" baseline="0" dirty="0" smtClean="0"/>
-              <a:t> </a:t>
-            </a:r>
-            <a:r>
-              <a:rPr lang="en-GB" baseline="0" dirty="0" smtClean="0"/>
-              <a:t>“</a:t>
-            </a:r>
-            <a:r>
-              <a:rPr lang="en-GB" dirty="0" smtClean="0"/>
-              <a:t>Inline - Constants</a:t>
-            </a:r>
-            <a:r>
-              <a:rPr lang="en-GB" baseline="0" dirty="0" smtClean="0"/>
-              <a:t>”}</a:t>
+              <a:t>":</a:t>
+            </a:r>
+            <a:r>
+              <a:rPr lang="en-GB" baseline="0" dirty="0" smtClean="0"/>
+              <a:t> "</a:t>
+            </a:r>
+            <a:r>
+              <a:rPr lang="en-GB" dirty="0" smtClean="0"/>
+              <a:t>Inline </a:t>
+            </a:r>
+            <a:r>
+              <a:rPr lang="en-GB" dirty="0" smtClean="0"/>
+              <a:t>- </a:t>
+            </a:r>
+            <a:r>
+              <a:rPr lang="en-GB" dirty="0" smtClean="0"/>
+              <a:t>Constants</a:t>
+            </a:r>
+            <a:r>
+              <a:rPr lang="en-GB" baseline="0" dirty="0" smtClean="0"/>
+              <a:t>"}</a:t>
             </a:r>
             <a:endParaRPr lang="en-GB" dirty="0"/>
           </a:p>
@@ -2917,7 +3222,11 @@
                 </a:r>
                 <a:r>
                   <a:rPr lang="en-GB" baseline="0" dirty="0" smtClean="0"/>
-                  <a:t> are inline constants as well. An example would be &lt;sub alias=“pie"&gt;</a:t>
+                  <a:t> are inline constants as well. An example would be &lt;sub alias</a:t>
+                </a:r>
+                <a:r>
+                  <a:rPr lang="en-GB" baseline="0" dirty="0" smtClean="0"/>
+                  <a:t>="pie"&gt;</a:t>
                 </a:r>
                 <a14:m>
                   <m:oMath xmlns:m="http://schemas.openxmlformats.org/officeDocument/2006/math">
@@ -2932,15 +3241,15 @@
                 </a14:m>
                 <a:r>
                   <a:rPr lang="en-GB" baseline="0" dirty="0" smtClean="0"/>
-                  <a:t>&lt;/sub&gt; which is written as &lt;sub alias=“pee eye"&gt;PI&lt;/</a:t>
+                  <a:t>&lt;/sub&gt; which is written as &lt;sub alias</a:t>
                 </a:r>
                 <a:r>
                   <a:rPr lang="en-GB" baseline="0" dirty="0" smtClean="0"/>
-                  <a:t>sub</a:t>
+                  <a:t>="pee eye"&gt;</a:t>
                 </a:r>
                 <a:r>
                   <a:rPr lang="en-GB" baseline="0" dirty="0" smtClean="0"/>
-                  <a:t>&gt; in the Mobius Modeller.</a:t>
+                  <a:t>PI&lt;/sub&gt; in the Mobius Modeller.</a:t>
                 </a:r>
               </a:p>
               <a:p>
@@ -2983,23 +3292,23 @@
                 </a:pPr>
                 <a:r>
                   <a:rPr lang="en-GB" baseline="0" dirty="0" smtClean="0"/>
-                  <a:t>Another example would be &lt;sub alias=“X Y"&gt;XY&lt;/</a:t>
+                  <a:t>Another example would be &lt;sub alias</a:t>
                 </a:r>
                 <a:r>
                   <a:rPr lang="en-GB" baseline="0" dirty="0" smtClean="0"/>
-                  <a:t>sub</a:t>
+                  <a:t>="X Y"&gt;</a:t>
                 </a:r>
                 <a:r>
                   <a:rPr lang="en-GB" baseline="0" dirty="0" smtClean="0"/>
-                  <a:t>&gt; which define a plane at the origin aligned on the &lt;sub alias=“X Y"&gt;XY&lt;/</a:t>
+                  <a:t>XY&lt;/sub&gt; which define a plane at the origin aligned on the &lt;sub alias</a:t>
                 </a:r>
                 <a:r>
                   <a:rPr lang="en-GB" baseline="0" dirty="0" smtClean="0"/>
-                  <a:t>sub&gt; </a:t>
+                  <a:t>="X Y"&gt;</a:t>
                 </a:r>
                 <a:r>
                   <a:rPr lang="en-GB" baseline="0" dirty="0" smtClean="0"/>
-                  <a:t> axis. </a:t>
+                  <a:t>XY&lt;/sub&gt;  axis. </a:t>
                 </a:r>
                 <a:endParaRPr lang="en-US" dirty="0" smtClean="0">
                   <a:ea typeface="Cambria Math" panose="02040503050406030204" pitchFamily="18" charset="0"/>
@@ -3047,7 +3356,11 @@
                 </a:r>
                 <a:r>
                   <a:rPr lang="en-GB" baseline="0" dirty="0" smtClean="0"/>
-                  <a:t> are inline constants as well. An example would be &lt;sub alias=“pie"&gt;</a:t>
+                  <a:t> are inline constants as well. An example would be &lt;sub alias</a:t>
+                </a:r>
+                <a:r>
+                  <a:rPr lang="en-GB" baseline="0" dirty="0" smtClean="0"/>
+                  <a:t>="pie"&gt;</a:t>
                 </a:r>
                 <a:r>
                   <a:rPr lang="en-GB" i="0" smtClean="0">
@@ -3058,15 +3371,15 @@
                 </a:r>
                 <a:r>
                   <a:rPr lang="en-GB" baseline="0" dirty="0" smtClean="0"/>
-                  <a:t>&lt;/sub&gt; which is written as &lt;sub alias=“pee eye"&gt;PI&lt;/</a:t>
+                  <a:t>&lt;/sub&gt; which is written as &lt;sub alias</a:t>
                 </a:r>
                 <a:r>
                   <a:rPr lang="en-GB" baseline="0" dirty="0" smtClean="0"/>
-                  <a:t>sub</a:t>
+                  <a:t>="pee eye"&gt;</a:t>
                 </a:r>
                 <a:r>
                   <a:rPr lang="en-GB" baseline="0" dirty="0" smtClean="0"/>
-                  <a:t>&gt; in the Mobius Modeller.</a:t>
+                  <a:t>PI&lt;/sub&gt; in the Mobius Modeller.</a:t>
                 </a:r>
               </a:p>
               <a:p>
@@ -3109,23 +3422,23 @@
                 </a:pPr>
                 <a:r>
                   <a:rPr lang="en-GB" baseline="0" dirty="0" smtClean="0"/>
-                  <a:t>Another example would be &lt;sub alias=“X Y"&gt;XY&lt;/</a:t>
+                  <a:t>Another example would be &lt;sub alias</a:t>
                 </a:r>
                 <a:r>
                   <a:rPr lang="en-GB" baseline="0" dirty="0" smtClean="0"/>
-                  <a:t>sub</a:t>
+                  <a:t>="X Y"&gt;</a:t>
                 </a:r>
                 <a:r>
                   <a:rPr lang="en-GB" baseline="0" dirty="0" smtClean="0"/>
-                  <a:t>&gt; which define a plane at the origin aligned on the &lt;sub alias=“X Y"&gt;XY&lt;/</a:t>
+                  <a:t>XY&lt;/sub&gt; which define a plane at the origin aligned on the &lt;sub alias</a:t>
                 </a:r>
                 <a:r>
                   <a:rPr lang="en-GB" baseline="0" dirty="0" smtClean="0"/>
-                  <a:t>sub&gt; </a:t>
+                  <a:t>="X Y"&gt;</a:t>
                 </a:r>
                 <a:r>
                   <a:rPr lang="en-GB" baseline="0" dirty="0" smtClean="0"/>
-                  <a:t> axis. </a:t>
+                  <a:t>XY&lt;/sub&gt;  axis. </a:t>
                 </a:r>
                 <a:endParaRPr lang="en-US" dirty="0" smtClean="0">
                   <a:ea typeface="Cambria Math" panose="02040503050406030204" pitchFamily="18" charset="0"/>
@@ -5709,11 +6022,7 @@
           <a:p>
             <a:r>
               <a:rPr lang="en-GB" dirty="0" smtClean="0"/>
-              <a:t>Inline Conversion Functions </a:t>
-            </a:r>
-            <a:r>
-              <a:rPr lang="en-GB" dirty="0" smtClean="0"/>
-              <a:t> </a:t>
+              <a:t>Inline Conversion Functions  </a:t>
             </a:r>
             <a:endParaRPr lang="en-GB" dirty="0"/>
           </a:p>
@@ -6662,8 +6971,8 @@
           </a:p>
         </p:txBody>
       </p:sp>
-      <mc:AlternateContent xmlns:mc="http://schemas.openxmlformats.org/markup-compatibility/2006">
-        <mc:Choice xmlns:a14="http://schemas.microsoft.com/office/drawing/2010/main" Requires="a14">
+      <mc:AlternateContent xmlns:mc="http://schemas.openxmlformats.org/markup-compatibility/2006" xmlns:a14="http://schemas.microsoft.com/office/drawing/2010/main">
+        <mc:Choice Requires="a14">
           <p:sp>
             <p:nvSpPr>
               <p:cNvPr id="3" name="Content Placeholder 2"/>
@@ -6726,7 +7035,6 @@
                   <a:rPr lang="en-GB" dirty="0" smtClean="0"/>
                   <a:t>XY/ YZ/ ZX/ YX/ ZY/ XZ</a:t>
                 </a:r>
-                <a:endParaRPr lang="en-GB" dirty="0" smtClean="0"/>
               </a:p>
               <a:p>
                 <a:pPr lvl="1"/>
@@ -6735,7 +7043,7 @@
             </p:txBody>
           </p:sp>
         </mc:Choice>
-        <mc:Fallback>
+        <mc:Fallback xmlns="">
           <p:sp>
             <p:nvSpPr>
               <p:cNvPr id="3" name="Content Placeholder 2"/>
